--- a/reduction of inspection time.pptx
+++ b/reduction of inspection time.pptx
@@ -13,15 +13,6 @@
     <p:sldId id="273" r:id="rId7"/>
     <p:sldId id="258" r:id="rId8"/>
     <p:sldId id="269" r:id="rId9"/>
-    <p:sldId id="263" r:id="rId10"/>
-    <p:sldId id="270" r:id="rId11"/>
-    <p:sldId id="264" r:id="rId12"/>
-    <p:sldId id="265" r:id="rId13"/>
-    <p:sldId id="266" r:id="rId14"/>
-    <p:sldId id="267" r:id="rId15"/>
-    <p:sldId id="268" r:id="rId16"/>
-    <p:sldId id="260" r:id="rId17"/>
-    <p:sldId id="259" r:id="rId18"/>
   </p:sldIdLst>
   <p:sldSz cx="12192000" cy="6858000"/>
   <p:notesSz cx="6858000" cy="9144000"/>
@@ -371,7 +362,7 @@
           <a:p>
             <a:fld id="{3BCD6FB0-E031-4935-AE71-09BB95123D9B}" type="datetimeFigureOut">
               <a:rPr lang="ru-RU" smtClean="0"/>
-              <a:t>23.10.2023</a:t>
+              <a:t>25.05.2024</a:t>
             </a:fld>
             <a:endParaRPr lang="ru-RU"/>
           </a:p>
@@ -569,7 +560,7 @@
           <a:p>
             <a:fld id="{3BCD6FB0-E031-4935-AE71-09BB95123D9B}" type="datetimeFigureOut">
               <a:rPr lang="ru-RU" smtClean="0"/>
-              <a:t>23.10.2023</a:t>
+              <a:t>25.05.2024</a:t>
             </a:fld>
             <a:endParaRPr lang="ru-RU"/>
           </a:p>
@@ -777,7 +768,7 @@
           <a:p>
             <a:fld id="{3BCD6FB0-E031-4935-AE71-09BB95123D9B}" type="datetimeFigureOut">
               <a:rPr lang="ru-RU" smtClean="0"/>
-              <a:t>23.10.2023</a:t>
+              <a:t>25.05.2024</a:t>
             </a:fld>
             <a:endParaRPr lang="ru-RU"/>
           </a:p>
@@ -975,7 +966,7 @@
           <a:p>
             <a:fld id="{3BCD6FB0-E031-4935-AE71-09BB95123D9B}" type="datetimeFigureOut">
               <a:rPr lang="ru-RU" smtClean="0"/>
-              <a:t>23.10.2023</a:t>
+              <a:t>25.05.2024</a:t>
             </a:fld>
             <a:endParaRPr lang="ru-RU"/>
           </a:p>
@@ -1250,7 +1241,7 @@
           <a:p>
             <a:fld id="{3BCD6FB0-E031-4935-AE71-09BB95123D9B}" type="datetimeFigureOut">
               <a:rPr lang="ru-RU" smtClean="0"/>
-              <a:t>23.10.2023</a:t>
+              <a:t>25.05.2024</a:t>
             </a:fld>
             <a:endParaRPr lang="ru-RU"/>
           </a:p>
@@ -1515,7 +1506,7 @@
           <a:p>
             <a:fld id="{3BCD6FB0-E031-4935-AE71-09BB95123D9B}" type="datetimeFigureOut">
               <a:rPr lang="ru-RU" smtClean="0"/>
-              <a:t>23.10.2023</a:t>
+              <a:t>25.05.2024</a:t>
             </a:fld>
             <a:endParaRPr lang="ru-RU"/>
           </a:p>
@@ -1927,7 +1918,7 @@
           <a:p>
             <a:fld id="{3BCD6FB0-E031-4935-AE71-09BB95123D9B}" type="datetimeFigureOut">
               <a:rPr lang="ru-RU" smtClean="0"/>
-              <a:t>23.10.2023</a:t>
+              <a:t>25.05.2024</a:t>
             </a:fld>
             <a:endParaRPr lang="ru-RU"/>
           </a:p>
@@ -2068,7 +2059,7 @@
           <a:p>
             <a:fld id="{3BCD6FB0-E031-4935-AE71-09BB95123D9B}" type="datetimeFigureOut">
               <a:rPr lang="ru-RU" smtClean="0"/>
-              <a:t>23.10.2023</a:t>
+              <a:t>25.05.2024</a:t>
             </a:fld>
             <a:endParaRPr lang="ru-RU"/>
           </a:p>
@@ -2181,7 +2172,7 @@
           <a:p>
             <a:fld id="{3BCD6FB0-E031-4935-AE71-09BB95123D9B}" type="datetimeFigureOut">
               <a:rPr lang="ru-RU" smtClean="0"/>
-              <a:t>23.10.2023</a:t>
+              <a:t>25.05.2024</a:t>
             </a:fld>
             <a:endParaRPr lang="ru-RU"/>
           </a:p>
@@ -2492,7 +2483,7 @@
           <a:p>
             <a:fld id="{3BCD6FB0-E031-4935-AE71-09BB95123D9B}" type="datetimeFigureOut">
               <a:rPr lang="ru-RU" smtClean="0"/>
-              <a:t>23.10.2023</a:t>
+              <a:t>25.05.2024</a:t>
             </a:fld>
             <a:endParaRPr lang="ru-RU"/>
           </a:p>
@@ -2780,7 +2771,7 @@
           <a:p>
             <a:fld id="{3BCD6FB0-E031-4935-AE71-09BB95123D9B}" type="datetimeFigureOut">
               <a:rPr lang="ru-RU" smtClean="0"/>
-              <a:t>23.10.2023</a:t>
+              <a:t>25.05.2024</a:t>
             </a:fld>
             <a:endParaRPr lang="ru-RU"/>
           </a:p>
@@ -3021,7 +3012,7 @@
           <a:p>
             <a:fld id="{3BCD6FB0-E031-4935-AE71-09BB95123D9B}" type="datetimeFigureOut">
               <a:rPr lang="ru-RU" smtClean="0"/>
-              <a:t>23.10.2023</a:t>
+              <a:t>25.05.2024</a:t>
             </a:fld>
             <a:endParaRPr lang="ru-RU"/>
           </a:p>
@@ -3507,638 +3498,6 @@
 </p:sld>
 </file>
 
-<file path=ppt/slides/slide10.xml><?xml version="1.0" encoding="utf-8"?>
-<p:sld xmlns:a="http://schemas.openxmlformats.org/drawingml/2006/main" xmlns:r="http://schemas.openxmlformats.org/officeDocument/2006/relationships" xmlns:p="http://schemas.openxmlformats.org/presentationml/2006/main">
-  <p:cSld>
-    <p:spTree>
-      <p:nvGrpSpPr>
-        <p:cNvPr id="1" name=""/>
-        <p:cNvGrpSpPr/>
-        <p:nvPr/>
-      </p:nvGrpSpPr>
-      <p:grpSpPr>
-        <a:xfrm>
-          <a:off x="0" y="0"/>
-          <a:ext cx="0" cy="0"/>
-          <a:chOff x="0" y="0"/>
-          <a:chExt cx="0" cy="0"/>
-        </a:xfrm>
-      </p:grpSpPr>
-      <p:sp>
-        <p:nvSpPr>
-          <p:cNvPr id="2" name="Заголовок 1">
-            <a:extLst>
-              <a:ext uri="{FF2B5EF4-FFF2-40B4-BE49-F238E27FC236}">
-                <a16:creationId xmlns:a16="http://schemas.microsoft.com/office/drawing/2014/main" id="{268B2F7B-D3D2-BDA1-DD51-4029CB254DA1}"/>
-              </a:ext>
-            </a:extLst>
-          </p:cNvPr>
-          <p:cNvSpPr>
-            <a:spLocks noGrp="1"/>
-          </p:cNvSpPr>
-          <p:nvPr>
-            <p:ph type="title"/>
-          </p:nvPr>
-        </p:nvSpPr>
-        <p:spPr>
-          <a:xfrm>
-            <a:off x="838200" y="112908"/>
-            <a:ext cx="10515600" cy="568129"/>
-          </a:xfrm>
-        </p:spPr>
-        <p:txBody>
-          <a:bodyPr/>
-          <a:lstStyle/>
-          <a:p>
-            <a:pPr algn="ctr"/>
-            <a:r>
-              <a:rPr lang="ru-RU" sz="2000" dirty="0"/>
-              <a:t>Время на взятие: есть ли потенциал и какой он</a:t>
-            </a:r>
-            <a:r>
-              <a:rPr lang="en-US" sz="2000" dirty="0"/>
-              <a:t>?</a:t>
-            </a:r>
-            <a:r>
-              <a:rPr lang="ru-RU" sz="2000" dirty="0"/>
-              <a:t> </a:t>
-            </a:r>
-          </a:p>
-        </p:txBody>
-      </p:sp>
-    </p:spTree>
-    <p:extLst>
-      <p:ext uri="{BB962C8B-B14F-4D97-AF65-F5344CB8AC3E}">
-        <p14:creationId xmlns:p14="http://schemas.microsoft.com/office/powerpoint/2010/main" val="1903593489"/>
-      </p:ext>
-    </p:extLst>
-  </p:cSld>
-  <p:clrMapOvr>
-    <a:masterClrMapping/>
-  </p:clrMapOvr>
-</p:sld>
-</file>
-
-<file path=ppt/slides/slide11.xml><?xml version="1.0" encoding="utf-8"?>
-<p:sld xmlns:a="http://schemas.openxmlformats.org/drawingml/2006/main" xmlns:r="http://schemas.openxmlformats.org/officeDocument/2006/relationships" xmlns:p="http://schemas.openxmlformats.org/presentationml/2006/main">
-  <p:cSld>
-    <p:spTree>
-      <p:nvGrpSpPr>
-        <p:cNvPr id="1" name=""/>
-        <p:cNvGrpSpPr/>
-        <p:nvPr/>
-      </p:nvGrpSpPr>
-      <p:grpSpPr>
-        <a:xfrm>
-          <a:off x="0" y="0"/>
-          <a:ext cx="0" cy="0"/>
-          <a:chOff x="0" y="0"/>
-          <a:chExt cx="0" cy="0"/>
-        </a:xfrm>
-      </p:grpSpPr>
-      <p:sp>
-        <p:nvSpPr>
-          <p:cNvPr id="2" name="Заголовок 1">
-            <a:extLst>
-              <a:ext uri="{FF2B5EF4-FFF2-40B4-BE49-F238E27FC236}">
-                <a16:creationId xmlns:a16="http://schemas.microsoft.com/office/drawing/2014/main" id="{6560BA58-60C9-F19E-1370-23A6880B09B0}"/>
-              </a:ext>
-            </a:extLst>
-          </p:cNvPr>
-          <p:cNvSpPr>
-            <a:spLocks noGrp="1"/>
-          </p:cNvSpPr>
-          <p:nvPr>
-            <p:ph type="title"/>
-          </p:nvPr>
-        </p:nvSpPr>
-        <p:spPr/>
-        <p:txBody>
-          <a:bodyPr/>
-          <a:lstStyle/>
-          <a:p>
-            <a:endParaRPr lang="ru-RU"/>
-          </a:p>
-        </p:txBody>
-      </p:sp>
-      <p:sp>
-        <p:nvSpPr>
-          <p:cNvPr id="3" name="Объект 2">
-            <a:extLst>
-              <a:ext uri="{FF2B5EF4-FFF2-40B4-BE49-F238E27FC236}">
-                <a16:creationId xmlns:a16="http://schemas.microsoft.com/office/drawing/2014/main" id="{C15CB9BC-F2CF-EF1D-9644-B60C50400D09}"/>
-              </a:ext>
-            </a:extLst>
-          </p:cNvPr>
-          <p:cNvSpPr>
-            <a:spLocks noGrp="1"/>
-          </p:cNvSpPr>
-          <p:nvPr>
-            <p:ph idx="1"/>
-          </p:nvPr>
-        </p:nvSpPr>
-        <p:spPr/>
-        <p:txBody>
-          <a:bodyPr/>
-          <a:lstStyle/>
-          <a:p>
-            <a:endParaRPr lang="ru-RU"/>
-          </a:p>
-        </p:txBody>
-      </p:sp>
-    </p:spTree>
-    <p:extLst>
-      <p:ext uri="{BB962C8B-B14F-4D97-AF65-F5344CB8AC3E}">
-        <p14:creationId xmlns:p14="http://schemas.microsoft.com/office/powerpoint/2010/main" val="3919096963"/>
-      </p:ext>
-    </p:extLst>
-  </p:cSld>
-  <p:clrMapOvr>
-    <a:masterClrMapping/>
-  </p:clrMapOvr>
-</p:sld>
-</file>
-
-<file path=ppt/slides/slide12.xml><?xml version="1.0" encoding="utf-8"?>
-<p:sld xmlns:a="http://schemas.openxmlformats.org/drawingml/2006/main" xmlns:r="http://schemas.openxmlformats.org/officeDocument/2006/relationships" xmlns:p="http://schemas.openxmlformats.org/presentationml/2006/main">
-  <p:cSld>
-    <p:spTree>
-      <p:nvGrpSpPr>
-        <p:cNvPr id="1" name=""/>
-        <p:cNvGrpSpPr/>
-        <p:nvPr/>
-      </p:nvGrpSpPr>
-      <p:grpSpPr>
-        <a:xfrm>
-          <a:off x="0" y="0"/>
-          <a:ext cx="0" cy="0"/>
-          <a:chOff x="0" y="0"/>
-          <a:chExt cx="0" cy="0"/>
-        </a:xfrm>
-      </p:grpSpPr>
-      <p:sp>
-        <p:nvSpPr>
-          <p:cNvPr id="2" name="Заголовок 1">
-            <a:extLst>
-              <a:ext uri="{FF2B5EF4-FFF2-40B4-BE49-F238E27FC236}">
-                <a16:creationId xmlns:a16="http://schemas.microsoft.com/office/drawing/2014/main" id="{36EB4AD8-C278-BC08-E0BD-7A039C21AFBD}"/>
-              </a:ext>
-            </a:extLst>
-          </p:cNvPr>
-          <p:cNvSpPr>
-            <a:spLocks noGrp="1"/>
-          </p:cNvSpPr>
-          <p:nvPr>
-            <p:ph type="title"/>
-          </p:nvPr>
-        </p:nvSpPr>
-        <p:spPr/>
-        <p:txBody>
-          <a:bodyPr/>
-          <a:lstStyle/>
-          <a:p>
-            <a:endParaRPr lang="ru-RU"/>
-          </a:p>
-        </p:txBody>
-      </p:sp>
-      <p:sp>
-        <p:nvSpPr>
-          <p:cNvPr id="3" name="Объект 2">
-            <a:extLst>
-              <a:ext uri="{FF2B5EF4-FFF2-40B4-BE49-F238E27FC236}">
-                <a16:creationId xmlns:a16="http://schemas.microsoft.com/office/drawing/2014/main" id="{425F8AA3-B79E-1BF1-4DD0-9E420816E111}"/>
-              </a:ext>
-            </a:extLst>
-          </p:cNvPr>
-          <p:cNvSpPr>
-            <a:spLocks noGrp="1"/>
-          </p:cNvSpPr>
-          <p:nvPr>
-            <p:ph idx="1"/>
-          </p:nvPr>
-        </p:nvSpPr>
-        <p:spPr/>
-        <p:txBody>
-          <a:bodyPr/>
-          <a:lstStyle/>
-          <a:p>
-            <a:endParaRPr lang="ru-RU"/>
-          </a:p>
-        </p:txBody>
-      </p:sp>
-    </p:spTree>
-    <p:extLst>
-      <p:ext uri="{BB962C8B-B14F-4D97-AF65-F5344CB8AC3E}">
-        <p14:creationId xmlns:p14="http://schemas.microsoft.com/office/powerpoint/2010/main" val="1909701938"/>
-      </p:ext>
-    </p:extLst>
-  </p:cSld>
-  <p:clrMapOvr>
-    <a:masterClrMapping/>
-  </p:clrMapOvr>
-</p:sld>
-</file>
-
-<file path=ppt/slides/slide13.xml><?xml version="1.0" encoding="utf-8"?>
-<p:sld xmlns:a="http://schemas.openxmlformats.org/drawingml/2006/main" xmlns:r="http://schemas.openxmlformats.org/officeDocument/2006/relationships" xmlns:p="http://schemas.openxmlformats.org/presentationml/2006/main">
-  <p:cSld>
-    <p:spTree>
-      <p:nvGrpSpPr>
-        <p:cNvPr id="1" name=""/>
-        <p:cNvGrpSpPr/>
-        <p:nvPr/>
-      </p:nvGrpSpPr>
-      <p:grpSpPr>
-        <a:xfrm>
-          <a:off x="0" y="0"/>
-          <a:ext cx="0" cy="0"/>
-          <a:chOff x="0" y="0"/>
-          <a:chExt cx="0" cy="0"/>
-        </a:xfrm>
-      </p:grpSpPr>
-      <p:sp>
-        <p:nvSpPr>
-          <p:cNvPr id="2" name="Заголовок 1">
-            <a:extLst>
-              <a:ext uri="{FF2B5EF4-FFF2-40B4-BE49-F238E27FC236}">
-                <a16:creationId xmlns:a16="http://schemas.microsoft.com/office/drawing/2014/main" id="{5C8FAA62-A9CF-6EC6-028B-144A4B709023}"/>
-              </a:ext>
-            </a:extLst>
-          </p:cNvPr>
-          <p:cNvSpPr>
-            <a:spLocks noGrp="1"/>
-          </p:cNvSpPr>
-          <p:nvPr>
-            <p:ph type="title"/>
-          </p:nvPr>
-        </p:nvSpPr>
-        <p:spPr/>
-        <p:txBody>
-          <a:bodyPr/>
-          <a:lstStyle/>
-          <a:p>
-            <a:endParaRPr lang="ru-RU"/>
-          </a:p>
-        </p:txBody>
-      </p:sp>
-      <p:sp>
-        <p:nvSpPr>
-          <p:cNvPr id="3" name="Объект 2">
-            <a:extLst>
-              <a:ext uri="{FF2B5EF4-FFF2-40B4-BE49-F238E27FC236}">
-                <a16:creationId xmlns:a16="http://schemas.microsoft.com/office/drawing/2014/main" id="{75541267-DF95-6ECA-2F18-F8E7E080B0B7}"/>
-              </a:ext>
-            </a:extLst>
-          </p:cNvPr>
-          <p:cNvSpPr>
-            <a:spLocks noGrp="1"/>
-          </p:cNvSpPr>
-          <p:nvPr>
-            <p:ph idx="1"/>
-          </p:nvPr>
-        </p:nvSpPr>
-        <p:spPr/>
-        <p:txBody>
-          <a:bodyPr/>
-          <a:lstStyle/>
-          <a:p>
-            <a:endParaRPr lang="ru-RU"/>
-          </a:p>
-        </p:txBody>
-      </p:sp>
-    </p:spTree>
-    <p:extLst>
-      <p:ext uri="{BB962C8B-B14F-4D97-AF65-F5344CB8AC3E}">
-        <p14:creationId xmlns:p14="http://schemas.microsoft.com/office/powerpoint/2010/main" val="1491049300"/>
-      </p:ext>
-    </p:extLst>
-  </p:cSld>
-  <p:clrMapOvr>
-    <a:masterClrMapping/>
-  </p:clrMapOvr>
-</p:sld>
-</file>
-
-<file path=ppt/slides/slide14.xml><?xml version="1.0" encoding="utf-8"?>
-<p:sld xmlns:a="http://schemas.openxmlformats.org/drawingml/2006/main" xmlns:r="http://schemas.openxmlformats.org/officeDocument/2006/relationships" xmlns:p="http://schemas.openxmlformats.org/presentationml/2006/main">
-  <p:cSld>
-    <p:spTree>
-      <p:nvGrpSpPr>
-        <p:cNvPr id="1" name=""/>
-        <p:cNvGrpSpPr/>
-        <p:nvPr/>
-      </p:nvGrpSpPr>
-      <p:grpSpPr>
-        <a:xfrm>
-          <a:off x="0" y="0"/>
-          <a:ext cx="0" cy="0"/>
-          <a:chOff x="0" y="0"/>
-          <a:chExt cx="0" cy="0"/>
-        </a:xfrm>
-      </p:grpSpPr>
-      <p:sp>
-        <p:nvSpPr>
-          <p:cNvPr id="2" name="Заголовок 1">
-            <a:extLst>
-              <a:ext uri="{FF2B5EF4-FFF2-40B4-BE49-F238E27FC236}">
-                <a16:creationId xmlns:a16="http://schemas.microsoft.com/office/drawing/2014/main" id="{AB9AD592-8561-0122-7B26-7B46AF5CD18F}"/>
-              </a:ext>
-            </a:extLst>
-          </p:cNvPr>
-          <p:cNvSpPr>
-            <a:spLocks noGrp="1"/>
-          </p:cNvSpPr>
-          <p:nvPr>
-            <p:ph type="title"/>
-          </p:nvPr>
-        </p:nvSpPr>
-        <p:spPr/>
-        <p:txBody>
-          <a:bodyPr/>
-          <a:lstStyle/>
-          <a:p>
-            <a:endParaRPr lang="ru-RU"/>
-          </a:p>
-        </p:txBody>
-      </p:sp>
-      <p:sp>
-        <p:nvSpPr>
-          <p:cNvPr id="3" name="Объект 2">
-            <a:extLst>
-              <a:ext uri="{FF2B5EF4-FFF2-40B4-BE49-F238E27FC236}">
-                <a16:creationId xmlns:a16="http://schemas.microsoft.com/office/drawing/2014/main" id="{F7DE64FC-10D0-1626-F17F-9BAE51B18BB3}"/>
-              </a:ext>
-            </a:extLst>
-          </p:cNvPr>
-          <p:cNvSpPr>
-            <a:spLocks noGrp="1"/>
-          </p:cNvSpPr>
-          <p:nvPr>
-            <p:ph idx="1"/>
-          </p:nvPr>
-        </p:nvSpPr>
-        <p:spPr/>
-        <p:txBody>
-          <a:bodyPr/>
-          <a:lstStyle/>
-          <a:p>
-            <a:endParaRPr lang="ru-RU"/>
-          </a:p>
-        </p:txBody>
-      </p:sp>
-    </p:spTree>
-    <p:extLst>
-      <p:ext uri="{BB962C8B-B14F-4D97-AF65-F5344CB8AC3E}">
-        <p14:creationId xmlns:p14="http://schemas.microsoft.com/office/powerpoint/2010/main" val="4065031996"/>
-      </p:ext>
-    </p:extLst>
-  </p:cSld>
-  <p:clrMapOvr>
-    <a:masterClrMapping/>
-  </p:clrMapOvr>
-</p:sld>
-</file>
-
-<file path=ppt/slides/slide15.xml><?xml version="1.0" encoding="utf-8"?>
-<p:sld xmlns:a="http://schemas.openxmlformats.org/drawingml/2006/main" xmlns:r="http://schemas.openxmlformats.org/officeDocument/2006/relationships" xmlns:p="http://schemas.openxmlformats.org/presentationml/2006/main">
-  <p:cSld>
-    <p:spTree>
-      <p:nvGrpSpPr>
-        <p:cNvPr id="1" name=""/>
-        <p:cNvGrpSpPr/>
-        <p:nvPr/>
-      </p:nvGrpSpPr>
-      <p:grpSpPr>
-        <a:xfrm>
-          <a:off x="0" y="0"/>
-          <a:ext cx="0" cy="0"/>
-          <a:chOff x="0" y="0"/>
-          <a:chExt cx="0" cy="0"/>
-        </a:xfrm>
-      </p:grpSpPr>
-      <p:sp>
-        <p:nvSpPr>
-          <p:cNvPr id="2" name="Заголовок 1">
-            <a:extLst>
-              <a:ext uri="{FF2B5EF4-FFF2-40B4-BE49-F238E27FC236}">
-                <a16:creationId xmlns:a16="http://schemas.microsoft.com/office/drawing/2014/main" id="{885DF991-2CD3-E1C4-3147-ADF0816D60C7}"/>
-              </a:ext>
-            </a:extLst>
-          </p:cNvPr>
-          <p:cNvSpPr>
-            <a:spLocks noGrp="1"/>
-          </p:cNvSpPr>
-          <p:nvPr>
-            <p:ph type="title"/>
-          </p:nvPr>
-        </p:nvSpPr>
-        <p:spPr/>
-        <p:txBody>
-          <a:bodyPr/>
-          <a:lstStyle/>
-          <a:p>
-            <a:endParaRPr lang="ru-RU"/>
-          </a:p>
-        </p:txBody>
-      </p:sp>
-      <p:sp>
-        <p:nvSpPr>
-          <p:cNvPr id="3" name="Объект 2">
-            <a:extLst>
-              <a:ext uri="{FF2B5EF4-FFF2-40B4-BE49-F238E27FC236}">
-                <a16:creationId xmlns:a16="http://schemas.microsoft.com/office/drawing/2014/main" id="{5B1B65D0-23C2-391F-14CB-EA8F0EA36263}"/>
-              </a:ext>
-            </a:extLst>
-          </p:cNvPr>
-          <p:cNvSpPr>
-            <a:spLocks noGrp="1"/>
-          </p:cNvSpPr>
-          <p:nvPr>
-            <p:ph idx="1"/>
-          </p:nvPr>
-        </p:nvSpPr>
-        <p:spPr/>
-        <p:txBody>
-          <a:bodyPr/>
-          <a:lstStyle/>
-          <a:p>
-            <a:endParaRPr lang="ru-RU"/>
-          </a:p>
-        </p:txBody>
-      </p:sp>
-    </p:spTree>
-    <p:extLst>
-      <p:ext uri="{BB962C8B-B14F-4D97-AF65-F5344CB8AC3E}">
-        <p14:creationId xmlns:p14="http://schemas.microsoft.com/office/powerpoint/2010/main" val="2134669001"/>
-      </p:ext>
-    </p:extLst>
-  </p:cSld>
-  <p:clrMapOvr>
-    <a:masterClrMapping/>
-  </p:clrMapOvr>
-</p:sld>
-</file>
-
-<file path=ppt/slides/slide16.xml><?xml version="1.0" encoding="utf-8"?>
-<p:sld xmlns:a="http://schemas.openxmlformats.org/drawingml/2006/main" xmlns:r="http://schemas.openxmlformats.org/officeDocument/2006/relationships" xmlns:p="http://schemas.openxmlformats.org/presentationml/2006/main">
-  <p:cSld>
-    <p:spTree>
-      <p:nvGrpSpPr>
-        <p:cNvPr id="1" name=""/>
-        <p:cNvGrpSpPr/>
-        <p:nvPr/>
-      </p:nvGrpSpPr>
-      <p:grpSpPr>
-        <a:xfrm>
-          <a:off x="0" y="0"/>
-          <a:ext cx="0" cy="0"/>
-          <a:chOff x="0" y="0"/>
-          <a:chExt cx="0" cy="0"/>
-        </a:xfrm>
-      </p:grpSpPr>
-      <p:sp>
-        <p:nvSpPr>
-          <p:cNvPr id="2" name="Заголовок 1">
-            <a:extLst>
-              <a:ext uri="{FF2B5EF4-FFF2-40B4-BE49-F238E27FC236}">
-                <a16:creationId xmlns:a16="http://schemas.microsoft.com/office/drawing/2014/main" id="{4990FD27-D3EE-C23C-5B03-474D26EE3DAB}"/>
-              </a:ext>
-            </a:extLst>
-          </p:cNvPr>
-          <p:cNvSpPr>
-            <a:spLocks noGrp="1"/>
-          </p:cNvSpPr>
-          <p:nvPr>
-            <p:ph type="title"/>
-          </p:nvPr>
-        </p:nvSpPr>
-        <p:spPr/>
-        <p:txBody>
-          <a:bodyPr/>
-          <a:lstStyle/>
-          <a:p>
-            <a:endParaRPr lang="ru-RU"/>
-          </a:p>
-        </p:txBody>
-      </p:sp>
-      <p:sp>
-        <p:nvSpPr>
-          <p:cNvPr id="3" name="Объект 2">
-            <a:extLst>
-              <a:ext uri="{FF2B5EF4-FFF2-40B4-BE49-F238E27FC236}">
-                <a16:creationId xmlns:a16="http://schemas.microsoft.com/office/drawing/2014/main" id="{40FFE049-DC22-B72A-DA68-26675EF46C81}"/>
-              </a:ext>
-            </a:extLst>
-          </p:cNvPr>
-          <p:cNvSpPr>
-            <a:spLocks noGrp="1"/>
-          </p:cNvSpPr>
-          <p:nvPr>
-            <p:ph idx="1"/>
-          </p:nvPr>
-        </p:nvSpPr>
-        <p:spPr/>
-        <p:txBody>
-          <a:bodyPr/>
-          <a:lstStyle/>
-          <a:p>
-            <a:endParaRPr lang="ru-RU"/>
-          </a:p>
-        </p:txBody>
-      </p:sp>
-    </p:spTree>
-    <p:extLst>
-      <p:ext uri="{BB962C8B-B14F-4D97-AF65-F5344CB8AC3E}">
-        <p14:creationId xmlns:p14="http://schemas.microsoft.com/office/powerpoint/2010/main" val="157676731"/>
-      </p:ext>
-    </p:extLst>
-  </p:cSld>
-  <p:clrMapOvr>
-    <a:masterClrMapping/>
-  </p:clrMapOvr>
-</p:sld>
-</file>
-
-<file path=ppt/slides/slide17.xml><?xml version="1.0" encoding="utf-8"?>
-<p:sld xmlns:a="http://schemas.openxmlformats.org/drawingml/2006/main" xmlns:r="http://schemas.openxmlformats.org/officeDocument/2006/relationships" xmlns:p="http://schemas.openxmlformats.org/presentationml/2006/main">
-  <p:cSld>
-    <p:spTree>
-      <p:nvGrpSpPr>
-        <p:cNvPr id="1" name=""/>
-        <p:cNvGrpSpPr/>
-        <p:nvPr/>
-      </p:nvGrpSpPr>
-      <p:grpSpPr>
-        <a:xfrm>
-          <a:off x="0" y="0"/>
-          <a:ext cx="0" cy="0"/>
-          <a:chOff x="0" y="0"/>
-          <a:chExt cx="0" cy="0"/>
-        </a:xfrm>
-      </p:grpSpPr>
-      <p:sp>
-        <p:nvSpPr>
-          <p:cNvPr id="2" name="Заголовок 1">
-            <a:extLst>
-              <a:ext uri="{FF2B5EF4-FFF2-40B4-BE49-F238E27FC236}">
-                <a16:creationId xmlns:a16="http://schemas.microsoft.com/office/drawing/2014/main" id="{55857E94-80BA-E99A-78AB-75558034559D}"/>
-              </a:ext>
-            </a:extLst>
-          </p:cNvPr>
-          <p:cNvSpPr>
-            <a:spLocks noGrp="1"/>
-          </p:cNvSpPr>
-          <p:nvPr>
-            <p:ph type="title"/>
-          </p:nvPr>
-        </p:nvSpPr>
-        <p:spPr/>
-        <p:txBody>
-          <a:bodyPr/>
-          <a:lstStyle/>
-          <a:p>
-            <a:endParaRPr lang="ru-RU"/>
-          </a:p>
-        </p:txBody>
-      </p:sp>
-      <p:sp>
-        <p:nvSpPr>
-          <p:cNvPr id="3" name="Объект 2">
-            <a:extLst>
-              <a:ext uri="{FF2B5EF4-FFF2-40B4-BE49-F238E27FC236}">
-                <a16:creationId xmlns:a16="http://schemas.microsoft.com/office/drawing/2014/main" id="{4E08ADE5-4F74-95F6-0FD9-C5BF11D91FAD}"/>
-              </a:ext>
-            </a:extLst>
-          </p:cNvPr>
-          <p:cNvSpPr>
-            <a:spLocks noGrp="1"/>
-          </p:cNvSpPr>
-          <p:nvPr>
-            <p:ph idx="1"/>
-          </p:nvPr>
-        </p:nvSpPr>
-        <p:spPr/>
-        <p:txBody>
-          <a:bodyPr/>
-          <a:lstStyle/>
-          <a:p>
-            <a:endParaRPr lang="ru-RU"/>
-          </a:p>
-        </p:txBody>
-      </p:sp>
-    </p:spTree>
-    <p:extLst>
-      <p:ext uri="{BB962C8B-B14F-4D97-AF65-F5344CB8AC3E}">
-        <p14:creationId xmlns:p14="http://schemas.microsoft.com/office/powerpoint/2010/main" val="4266343699"/>
-      </p:ext>
-    </p:extLst>
-  </p:cSld>
-  <p:clrMapOvr>
-    <a:masterClrMapping/>
-  </p:clrMapOvr>
-</p:sld>
-</file>
-
 <file path=ppt/slides/slide2.xml><?xml version="1.0" encoding="utf-8"?>
 <p:sld xmlns:a="http://schemas.openxmlformats.org/drawingml/2006/main" xmlns:r="http://schemas.openxmlformats.org/officeDocument/2006/relationships" xmlns:p="http://schemas.openxmlformats.org/presentationml/2006/main">
   <p:cSld>
@@ -5941,78 +5300,6 @@
     <p:extLst>
       <p:ext uri="{BB962C8B-B14F-4D97-AF65-F5344CB8AC3E}">
         <p14:creationId xmlns:p14="http://schemas.microsoft.com/office/powerpoint/2010/main" val="2191793129"/>
-      </p:ext>
-    </p:extLst>
-  </p:cSld>
-  <p:clrMapOvr>
-    <a:masterClrMapping/>
-  </p:clrMapOvr>
-</p:sld>
-</file>
-
-<file path=ppt/slides/slide9.xml><?xml version="1.0" encoding="utf-8"?>
-<p:sld xmlns:a="http://schemas.openxmlformats.org/drawingml/2006/main" xmlns:r="http://schemas.openxmlformats.org/officeDocument/2006/relationships" xmlns:p="http://schemas.openxmlformats.org/presentationml/2006/main">
-  <p:cSld>
-    <p:spTree>
-      <p:nvGrpSpPr>
-        <p:cNvPr id="1" name=""/>
-        <p:cNvGrpSpPr/>
-        <p:nvPr/>
-      </p:nvGrpSpPr>
-      <p:grpSpPr>
-        <a:xfrm>
-          <a:off x="0" y="0"/>
-          <a:ext cx="0" cy="0"/>
-          <a:chOff x="0" y="0"/>
-          <a:chExt cx="0" cy="0"/>
-        </a:xfrm>
-      </p:grpSpPr>
-      <p:sp>
-        <p:nvSpPr>
-          <p:cNvPr id="2" name="Заголовок 1">
-            <a:extLst>
-              <a:ext uri="{FF2B5EF4-FFF2-40B4-BE49-F238E27FC236}">
-                <a16:creationId xmlns:a16="http://schemas.microsoft.com/office/drawing/2014/main" id="{268B2F7B-D3D2-BDA1-DD51-4029CB254DA1}"/>
-              </a:ext>
-            </a:extLst>
-          </p:cNvPr>
-          <p:cNvSpPr>
-            <a:spLocks noGrp="1"/>
-          </p:cNvSpPr>
-          <p:nvPr>
-            <p:ph type="title"/>
-          </p:nvPr>
-        </p:nvSpPr>
-        <p:spPr>
-          <a:xfrm>
-            <a:off x="838200" y="112908"/>
-            <a:ext cx="10515600" cy="568129"/>
-          </a:xfrm>
-        </p:spPr>
-        <p:txBody>
-          <a:bodyPr/>
-          <a:lstStyle/>
-          <a:p>
-            <a:pPr algn="ctr"/>
-            <a:r>
-              <a:rPr lang="ru-RU" sz="2000" dirty="0"/>
-              <a:t>Время на взятие: есть ли потенциал и какой он</a:t>
-            </a:r>
-            <a:r>
-              <a:rPr lang="en-US" sz="2000" dirty="0"/>
-              <a:t>?</a:t>
-            </a:r>
-            <a:r>
-              <a:rPr lang="ru-RU" sz="2000" dirty="0"/>
-              <a:t> </a:t>
-            </a:r>
-          </a:p>
-        </p:txBody>
-      </p:sp>
-    </p:spTree>
-    <p:extLst>
-      <p:ext uri="{BB962C8B-B14F-4D97-AF65-F5344CB8AC3E}">
-        <p14:creationId xmlns:p14="http://schemas.microsoft.com/office/powerpoint/2010/main" val="3935721936"/>
       </p:ext>
     </p:extLst>
   </p:cSld>
